--- a/TAP-Project2Presentation.pptx
+++ b/TAP-Project2Presentation.pptx
@@ -110,6 +110,22 @@
       </a:defRPr>
     </a:lvl9pPr>
   </p:defaultTextStyle>
+  <p:extLst>
+    <p:ext uri="{EFAFB233-063F-42B5-8137-9DF3F51BA10A}">
+      <p15:sldGuideLst xmlns:p15="http://schemas.microsoft.com/office/powerpoint/2012/main">
+        <p15:guide id="1" orient="horz" pos="2160">
+          <p15:clr>
+            <a:srgbClr val="A4A3A4"/>
+          </p15:clr>
+        </p15:guide>
+        <p15:guide id="2" pos="2880">
+          <p15:clr>
+            <a:srgbClr val="A4A3A4"/>
+          </p15:clr>
+        </p15:guide>
+      </p15:sldGuideLst>
+    </p:ext>
+  </p:extLst>
 </p:presentation>
 </file>
 
@@ -549,7 +565,7 @@
           <a:p>
             <a:fld id="{342B893D-41AB-C744-8AE6-F6E0C880E808}" type="datetimeFigureOut">
               <a:rPr lang="en-US" smtClean="0"/>
-              <a:t>7/14/17</a:t>
+              <a:t>9/27/17</a:t>
             </a:fld>
             <a:endParaRPr lang="en-US"/>
           </a:p>
@@ -1161,7 +1177,7 @@
           <a:p>
             <a:fld id="{342B893D-41AB-C744-8AE6-F6E0C880E808}" type="datetimeFigureOut">
               <a:rPr lang="en-US" smtClean="0"/>
-              <a:t>7/14/17</a:t>
+              <a:t>9/27/17</a:t>
             </a:fld>
             <a:endParaRPr lang="en-US"/>
           </a:p>
@@ -1733,7 +1749,7 @@
           <a:p>
             <a:fld id="{342B893D-41AB-C744-8AE6-F6E0C880E808}" type="datetimeFigureOut">
               <a:rPr lang="en-US" smtClean="0"/>
-              <a:t>7/14/17</a:t>
+              <a:t>9/27/17</a:t>
             </a:fld>
             <a:endParaRPr lang="en-US"/>
           </a:p>
@@ -2267,7 +2283,7 @@
           <a:p>
             <a:fld id="{342B893D-41AB-C744-8AE6-F6E0C880E808}" type="datetimeFigureOut">
               <a:rPr lang="en-US" smtClean="0"/>
-              <a:t>7/14/17</a:t>
+              <a:t>9/27/17</a:t>
             </a:fld>
             <a:endParaRPr lang="en-US"/>
           </a:p>
@@ -2669,7 +2685,7 @@
           <a:p>
             <a:fld id="{342B893D-41AB-C744-8AE6-F6E0C880E808}" type="datetimeFigureOut">
               <a:rPr lang="en-US" smtClean="0"/>
-              <a:t>7/14/17</a:t>
+              <a:t>9/27/17</a:t>
             </a:fld>
             <a:endParaRPr lang="en-US"/>
           </a:p>
@@ -3102,7 +3118,7 @@
           <a:p>
             <a:fld id="{342B893D-41AB-C744-8AE6-F6E0C880E808}" type="datetimeFigureOut">
               <a:rPr lang="en-US" smtClean="0"/>
-              <a:t>7/14/17</a:t>
+              <a:t>9/27/17</a:t>
             </a:fld>
             <a:endParaRPr lang="en-US"/>
           </a:p>
@@ -3504,7 +3520,7 @@
           <a:p>
             <a:fld id="{342B893D-41AB-C744-8AE6-F6E0C880E808}" type="datetimeFigureOut">
               <a:rPr lang="en-US" smtClean="0"/>
-              <a:t>7/14/17</a:t>
+              <a:t>9/27/17</a:t>
             </a:fld>
             <a:endParaRPr lang="en-US"/>
           </a:p>
@@ -3978,7 +3994,7 @@
           <a:p>
             <a:fld id="{342B893D-41AB-C744-8AE6-F6E0C880E808}" type="datetimeFigureOut">
               <a:rPr lang="en-US" smtClean="0"/>
-              <a:t>7/14/17</a:t>
+              <a:t>9/27/17</a:t>
             </a:fld>
             <a:endParaRPr lang="en-US"/>
           </a:p>
@@ -4428,7 +4444,7 @@
           <a:p>
             <a:fld id="{342B893D-41AB-C744-8AE6-F6E0C880E808}" type="datetimeFigureOut">
               <a:rPr lang="en-US" smtClean="0"/>
-              <a:t>7/14/17</a:t>
+              <a:t>9/27/17</a:t>
             </a:fld>
             <a:endParaRPr lang="en-US"/>
           </a:p>
@@ -4948,7 +4964,7 @@
           <a:p>
             <a:fld id="{342B893D-41AB-C744-8AE6-F6E0C880E808}" type="datetimeFigureOut">
               <a:rPr lang="en-US" smtClean="0"/>
-              <a:t>7/14/17</a:t>
+              <a:t>9/27/17</a:t>
             </a:fld>
             <a:endParaRPr lang="en-US"/>
           </a:p>
@@ -5668,7 +5684,7 @@
           <a:p>
             <a:fld id="{342B893D-41AB-C744-8AE6-F6E0C880E808}" type="datetimeFigureOut">
               <a:rPr lang="en-US" smtClean="0"/>
-              <a:t>7/14/17</a:t>
+              <a:t>9/27/17</a:t>
             </a:fld>
             <a:endParaRPr lang="en-US"/>
           </a:p>
@@ -6014,7 +6030,7 @@
           <a:p>
             <a:fld id="{342B893D-41AB-C744-8AE6-F6E0C880E808}" type="datetimeFigureOut">
               <a:rPr lang="en-US" smtClean="0"/>
-              <a:t>7/14/17</a:t>
+              <a:t>9/27/17</a:t>
             </a:fld>
             <a:endParaRPr lang="en-US"/>
           </a:p>
@@ -6283,7 +6299,7 @@
           <a:p>
             <a:fld id="{342B893D-41AB-C744-8AE6-F6E0C880E808}" type="datetimeFigureOut">
               <a:rPr lang="en-US" smtClean="0"/>
-              <a:t>7/14/17</a:t>
+              <a:t>9/27/17</a:t>
             </a:fld>
             <a:endParaRPr lang="en-US"/>
           </a:p>
@@ -6840,7 +6856,7 @@
           <a:p>
             <a:fld id="{342B893D-41AB-C744-8AE6-F6E0C880E808}" type="datetimeFigureOut">
               <a:rPr lang="en-US" smtClean="0"/>
-              <a:t>7/14/17</a:t>
+              <a:t>9/27/17</a:t>
             </a:fld>
             <a:endParaRPr lang="en-US"/>
           </a:p>
@@ -7051,7 +7067,7 @@
           <a:p>
             <a:fld id="{342B893D-41AB-C744-8AE6-F6E0C880E808}" type="datetimeFigureOut">
               <a:rPr lang="en-US" smtClean="0"/>
-              <a:t>7/14/17</a:t>
+              <a:t>9/27/17</a:t>
             </a:fld>
             <a:endParaRPr lang="en-US"/>
           </a:p>
@@ -8223,11 +8239,7 @@
             </a:r>
             <a:r>
               <a:rPr lang="en-US" dirty="0"/>
-              <a:t>Caucasus</a:t>
-            </a:r>
-            <a:r>
-              <a:rPr lang="en-US" dirty="0"/>
-              <a:t> </a:t>
+              <a:t>Caucasus </a:t>
             </a:r>
             <a:endParaRPr lang="en-US" dirty="0" smtClean="0"/>
           </a:p>
